--- a/General-Hierarchy.pptx
+++ b/General-Hierarchy.pptx
@@ -881,11 +881,11 @@
         <a:lstStyle/>
         <a:p>
           <a:r>
-            <a:rPr lang="en-GB" sz="1200" dirty="0"/>
+            <a:rPr lang="en-GB" sz="1200" b="1" dirty="0"/>
             <a:t>index.html – </a:t>
           </a:r>
           <a:r>
-            <a:rPr lang="en-GB" sz="1200" b="0" i="1" dirty="0">
+            <a:rPr lang="en-GB" sz="1200" b="1" i="1" dirty="0">
               <a:solidFill>
                 <a:schemeClr val="accent4">
                   <a:lumMod val="60000"/>
@@ -928,11 +928,11 @@
         <a:lstStyle/>
         <a:p>
           <a:r>
-            <a:rPr lang="en-GB" sz="1200" kern="1200" dirty="0"/>
+            <a:rPr lang="en-GB" sz="1200" b="1" kern="1200" dirty="0"/>
             <a:t>index.js – </a:t>
           </a:r>
           <a:r>
-            <a:rPr lang="en-GB" sz="1200" b="0" i="1" kern="1200" dirty="0">
+            <a:rPr lang="en-GB" sz="1200" b="1" i="1" kern="1200" dirty="0">
               <a:solidFill>
                 <a:srgbClr val="FFC000">
                   <a:lumMod val="60000"/>
@@ -982,32 +982,18 @@
         <a:lstStyle/>
         <a:p>
           <a:r>
-            <a:rPr lang="en-GB" sz="1200" dirty="0"/>
-            <a:t>App.js </a:t>
+            <a:rPr lang="en-GB" sz="1200" b="1" dirty="0"/>
+            <a:t>App.js – </a:t>
           </a:r>
           <a:r>
-            <a:rPr lang="en-GB" sz="1200"/>
-            <a:t>– </a:t>
-          </a:r>
-          <a:r>
-            <a:rPr lang="en-GB" sz="1200" i="1">
+            <a:rPr lang="en-GB" sz="1200" b="1" i="1" dirty="0">
               <a:solidFill>
                 <a:schemeClr val="accent2">
                   <a:lumMod val="50000"/>
                 </a:schemeClr>
               </a:solidFill>
             </a:rPr>
-            <a:t>the </a:t>
-          </a:r>
-          <a:r>
-            <a:rPr lang="en-GB" sz="1200" i="1" dirty="0">
-              <a:solidFill>
-                <a:schemeClr val="accent2">
-                  <a:lumMod val="50000"/>
-                </a:schemeClr>
-              </a:solidFill>
-            </a:rPr>
-            <a:t>main component</a:t>
+            <a:t>the main component</a:t>
           </a:r>
         </a:p>
       </dgm:t>
@@ -1046,8 +1032,16 @@
         <a:lstStyle/>
         <a:p>
           <a:r>
-            <a:rPr lang="en-GB" sz="1200"/>
-            <a:t>&lt;NiceHeader /&gt;</a:t>
+            <a:rPr lang="en-GB" sz="1200" b="1" dirty="0"/>
+            <a:t>&lt;</a:t>
+          </a:r>
+          <a:r>
+            <a:rPr lang="en-GB" sz="1200" b="1" dirty="0" err="1"/>
+            <a:t>NiceHeader</a:t>
+          </a:r>
+          <a:r>
+            <a:rPr lang="en-GB" sz="1200" b="1" dirty="0"/>
+            <a:t> /&gt;</a:t>
           </a:r>
         </a:p>
       </dgm:t>
@@ -1086,8 +1080,16 @@
         <a:lstStyle/>
         <a:p>
           <a:r>
-            <a:rPr lang="en-GB" sz="1200"/>
-            <a:t>&lt;MyInfo /&gt;</a:t>
+            <a:rPr lang="en-GB" sz="1200" b="1" dirty="0"/>
+            <a:t>&lt;</a:t>
+          </a:r>
+          <a:r>
+            <a:rPr lang="en-GB" sz="1200" b="1" dirty="0" err="1"/>
+            <a:t>MyInfo</a:t>
+          </a:r>
+          <a:r>
+            <a:rPr lang="en-GB" sz="1200" b="1" dirty="0"/>
+            <a:t> /&gt;</a:t>
           </a:r>
         </a:p>
       </dgm:t>
@@ -1126,8 +1128,16 @@
         <a:lstStyle/>
         <a:p>
           <a:r>
-            <a:rPr lang="en-GB" sz="1200"/>
-            <a:t>&lt;NiceFooter /&gt;</a:t>
+            <a:rPr lang="en-GB" sz="1200" b="1" dirty="0"/>
+            <a:t>&lt;</a:t>
+          </a:r>
+          <a:r>
+            <a:rPr lang="en-GB" sz="1200" b="1" dirty="0" err="1"/>
+            <a:t>NiceFooter</a:t>
+          </a:r>
+          <a:r>
+            <a:rPr lang="en-GB" sz="1200" b="1" dirty="0"/>
+            <a:t> /&gt;</a:t>
           </a:r>
         </a:p>
       </dgm:t>
@@ -1166,7 +1176,7 @@
         <a:lstStyle/>
         <a:p>
           <a:r>
-            <a:rPr lang="en-GB" sz="1200" dirty="0"/>
+            <a:rPr lang="en-GB" sz="1200" b="1" dirty="0"/>
             <a:t>&lt;Logo /&gt;</a:t>
           </a:r>
         </a:p>
@@ -1206,8 +1216,23 @@
         <a:lstStyle/>
         <a:p>
           <a:r>
-            <a:rPr lang="en-GB" sz="1200"/>
-            <a:t>&lt;NavBar /&gt;</a:t>
+            <a:rPr lang="en-GB" sz="1200" kern="1200" dirty="0"/>
+            <a:t>&lt;</a:t>
+          </a:r>
+          <a:r>
+            <a:rPr lang="en-GB" sz="1200" b="1" kern="1200" dirty="0" err="1">
+              <a:solidFill>
+                <a:prstClr val="white"/>
+              </a:solidFill>
+              <a:latin typeface="Calibri" panose="020F0502020204030204"/>
+              <a:ea typeface="+mn-ea"/>
+              <a:cs typeface="+mn-cs"/>
+            </a:rPr>
+            <a:t>NavBar</a:t>
+          </a:r>
+          <a:r>
+            <a:rPr lang="en-GB" sz="1200" kern="1200" dirty="0"/>
+            <a:t> /&gt;</a:t>
           </a:r>
         </a:p>
       </dgm:t>
@@ -1246,8 +1271,16 @@
         <a:lstStyle/>
         <a:p>
           <a:r>
-            <a:rPr lang="en-GB" sz="1200"/>
-            <a:t>&lt;img... /&gt;</a:t>
+            <a:rPr lang="en-GB" sz="1200" b="1" dirty="0"/>
+            <a:t>&lt;</a:t>
+          </a:r>
+          <a:r>
+            <a:rPr lang="en-GB" sz="1200" b="1" dirty="0" err="1"/>
+            <a:t>img</a:t>
+          </a:r>
+          <a:r>
+            <a:rPr lang="en-GB" sz="1200" b="1" dirty="0"/>
+            <a:t>... /&gt;</a:t>
           </a:r>
         </a:p>
       </dgm:t>
@@ -1286,43 +1319,43 @@
         <a:lstStyle/>
         <a:p>
           <a:r>
-            <a:rPr lang="en-GB" sz="1200" dirty="0"/>
+            <a:rPr lang="en-GB" sz="1200" b="1" dirty="0"/>
             <a:t>&lt;nav&gt; </a:t>
           </a:r>
         </a:p>
         <a:p>
           <a:r>
-            <a:rPr lang="en-GB" sz="1200" dirty="0"/>
+            <a:rPr lang="en-GB" sz="1200" b="1" dirty="0"/>
             <a:t>	&lt;ul&gt;</a:t>
           </a:r>
         </a:p>
         <a:p>
           <a:r>
-            <a:rPr lang="en-GB" sz="1200" dirty="0"/>
+            <a:rPr lang="en-GB" sz="1200" b="1" dirty="0"/>
             <a:t>		&lt;li&gt;</a:t>
           </a:r>
         </a:p>
         <a:p>
           <a:r>
-            <a:rPr lang="en-GB" sz="1200" dirty="0"/>
+            <a:rPr lang="en-GB" sz="1200" b="1" dirty="0"/>
             <a:t>			...</a:t>
           </a:r>
         </a:p>
         <a:p>
           <a:r>
-            <a:rPr lang="en-GB" sz="1200" dirty="0"/>
+            <a:rPr lang="en-GB" sz="1200" b="1" dirty="0"/>
             <a:t>		&lt;/li&gt;</a:t>
           </a:r>
         </a:p>
         <a:p>
           <a:r>
-            <a:rPr lang="en-GB" sz="1200" dirty="0"/>
+            <a:rPr lang="en-GB" sz="1200" b="1" dirty="0"/>
             <a:t>	&lt;/ul&gt;</a:t>
           </a:r>
         </a:p>
         <a:p>
           <a:r>
-            <a:rPr lang="en-GB" sz="1200" dirty="0"/>
+            <a:rPr lang="en-GB" sz="1200" b="1" dirty="0"/>
             <a:t>&lt;/nav&gt;</a:t>
           </a:r>
         </a:p>
@@ -1362,7 +1395,7 @@
         <a:lstStyle/>
         <a:p>
           <a:r>
-            <a:rPr lang="en-GB" sz="1200" dirty="0"/>
+            <a:rPr lang="en-GB" sz="1200" b="1" dirty="0"/>
             <a:t>&lt;div&gt;...&lt;/div&gt;</a:t>
           </a:r>
         </a:p>
@@ -1402,7 +1435,7 @@
         <a:lstStyle/>
         <a:p>
           <a:r>
-            <a:rPr lang="en-GB" sz="1200"/>
+            <a:rPr lang="en-GB" sz="1200" b="1" dirty="0"/>
             <a:t>&lt;h1&gt;Copyrights...&lt;/h1&gt;</a:t>
           </a:r>
         </a:p>
@@ -2749,11 +2782,11 @@
             <a:buNone/>
           </a:pPr>
           <a:r>
-            <a:rPr lang="en-GB" sz="1200" kern="1200" dirty="0"/>
+            <a:rPr lang="en-GB" sz="1200" b="1" kern="1200" dirty="0"/>
             <a:t>index.html – </a:t>
           </a:r>
           <a:r>
-            <a:rPr lang="en-GB" sz="1200" b="0" i="1" kern="1200" dirty="0">
+            <a:rPr lang="en-GB" sz="1200" b="1" i="1" kern="1200" dirty="0">
               <a:solidFill>
                 <a:schemeClr val="accent4">
                   <a:lumMod val="60000"/>
@@ -2838,11 +2871,11 @@
             <a:buNone/>
           </a:pPr>
           <a:r>
-            <a:rPr lang="en-GB" sz="1200" kern="1200" dirty="0"/>
+            <a:rPr lang="en-GB" sz="1200" b="1" kern="1200" dirty="0"/>
             <a:t>index.js – </a:t>
           </a:r>
           <a:r>
-            <a:rPr lang="en-GB" sz="1200" b="0" i="1" kern="1200" dirty="0">
+            <a:rPr lang="en-GB" sz="1200" b="1" i="1" kern="1200" dirty="0">
               <a:solidFill>
                 <a:srgbClr val="FFC000">
                   <a:lumMod val="60000"/>
@@ -2925,32 +2958,18 @@
             <a:buNone/>
           </a:pPr>
           <a:r>
-            <a:rPr lang="en-GB" sz="1200" kern="1200" dirty="0"/>
-            <a:t>App.js </a:t>
+            <a:rPr lang="en-GB" sz="1200" b="1" kern="1200" dirty="0"/>
+            <a:t>App.js – </a:t>
           </a:r>
           <a:r>
-            <a:rPr lang="en-GB" sz="1200" kern="1200"/>
-            <a:t>– </a:t>
-          </a:r>
-          <a:r>
-            <a:rPr lang="en-GB" sz="1200" i="1" kern="1200">
+            <a:rPr lang="en-GB" sz="1200" b="1" i="1" kern="1200" dirty="0">
               <a:solidFill>
                 <a:schemeClr val="accent2">
                   <a:lumMod val="50000"/>
                 </a:schemeClr>
               </a:solidFill>
             </a:rPr>
-            <a:t>the </a:t>
-          </a:r>
-          <a:r>
-            <a:rPr lang="en-GB" sz="1200" i="1" kern="1200" dirty="0">
-              <a:solidFill>
-                <a:schemeClr val="accent2">
-                  <a:lumMod val="50000"/>
-                </a:schemeClr>
-              </a:solidFill>
-            </a:rPr>
-            <a:t>main component</a:t>
+            <a:t>the main component</a:t>
           </a:r>
         </a:p>
       </dsp:txBody>
@@ -3022,8 +3041,16 @@
             <a:buNone/>
           </a:pPr>
           <a:r>
-            <a:rPr lang="en-GB" sz="1200" kern="1200"/>
-            <a:t>&lt;NiceHeader /&gt;</a:t>
+            <a:rPr lang="en-GB" sz="1200" b="1" kern="1200" dirty="0"/>
+            <a:t>&lt;</a:t>
+          </a:r>
+          <a:r>
+            <a:rPr lang="en-GB" sz="1200" b="1" kern="1200" dirty="0" err="1"/>
+            <a:t>NiceHeader</a:t>
+          </a:r>
+          <a:r>
+            <a:rPr lang="en-GB" sz="1200" b="1" kern="1200" dirty="0"/>
+            <a:t> /&gt;</a:t>
           </a:r>
         </a:p>
       </dsp:txBody>
@@ -3095,7 +3122,7 @@
             <a:buNone/>
           </a:pPr>
           <a:r>
-            <a:rPr lang="en-GB" sz="1200" kern="1200" dirty="0"/>
+            <a:rPr lang="en-GB" sz="1200" b="1" kern="1200" dirty="0"/>
             <a:t>&lt;Logo /&gt;</a:t>
           </a:r>
         </a:p>
@@ -3168,8 +3195,16 @@
             <a:buNone/>
           </a:pPr>
           <a:r>
-            <a:rPr lang="en-GB" sz="1200" kern="1200"/>
-            <a:t>&lt;img... /&gt;</a:t>
+            <a:rPr lang="en-GB" sz="1200" b="1" kern="1200" dirty="0"/>
+            <a:t>&lt;</a:t>
+          </a:r>
+          <a:r>
+            <a:rPr lang="en-GB" sz="1200" b="1" kern="1200" dirty="0" err="1"/>
+            <a:t>img</a:t>
+          </a:r>
+          <a:r>
+            <a:rPr lang="en-GB" sz="1200" b="1" kern="1200" dirty="0"/>
+            <a:t>... /&gt;</a:t>
           </a:r>
         </a:p>
       </dsp:txBody>
@@ -3241,8 +3276,23 @@
             <a:buNone/>
           </a:pPr>
           <a:r>
-            <a:rPr lang="en-GB" sz="1200" kern="1200"/>
-            <a:t>&lt;NavBar /&gt;</a:t>
+            <a:rPr lang="en-GB" sz="1200" kern="1200" dirty="0"/>
+            <a:t>&lt;</a:t>
+          </a:r>
+          <a:r>
+            <a:rPr lang="en-GB" sz="1200" b="1" kern="1200" dirty="0" err="1">
+              <a:solidFill>
+                <a:prstClr val="white"/>
+              </a:solidFill>
+              <a:latin typeface="Calibri" panose="020F0502020204030204"/>
+              <a:ea typeface="+mn-ea"/>
+              <a:cs typeface="+mn-cs"/>
+            </a:rPr>
+            <a:t>NavBar</a:t>
+          </a:r>
+          <a:r>
+            <a:rPr lang="en-GB" sz="1200" kern="1200" dirty="0"/>
+            <a:t> /&gt;</a:t>
           </a:r>
         </a:p>
       </dsp:txBody>
@@ -3314,7 +3364,7 @@
             <a:buNone/>
           </a:pPr>
           <a:r>
-            <a:rPr lang="en-GB" sz="1200" kern="1200" dirty="0"/>
+            <a:rPr lang="en-GB" sz="1200" b="1" kern="1200" dirty="0"/>
             <a:t>&lt;nav&gt; </a:t>
           </a:r>
         </a:p>
@@ -3332,7 +3382,7 @@
             <a:buNone/>
           </a:pPr>
           <a:r>
-            <a:rPr lang="en-GB" sz="1200" kern="1200" dirty="0"/>
+            <a:rPr lang="en-GB" sz="1200" b="1" kern="1200" dirty="0"/>
             <a:t>	&lt;ul&gt;</a:t>
           </a:r>
         </a:p>
@@ -3350,7 +3400,7 @@
             <a:buNone/>
           </a:pPr>
           <a:r>
-            <a:rPr lang="en-GB" sz="1200" kern="1200" dirty="0"/>
+            <a:rPr lang="en-GB" sz="1200" b="1" kern="1200" dirty="0"/>
             <a:t>		&lt;li&gt;</a:t>
           </a:r>
         </a:p>
@@ -3368,7 +3418,7 @@
             <a:buNone/>
           </a:pPr>
           <a:r>
-            <a:rPr lang="en-GB" sz="1200" kern="1200" dirty="0"/>
+            <a:rPr lang="en-GB" sz="1200" b="1" kern="1200" dirty="0"/>
             <a:t>			...</a:t>
           </a:r>
         </a:p>
@@ -3386,7 +3436,7 @@
             <a:buNone/>
           </a:pPr>
           <a:r>
-            <a:rPr lang="en-GB" sz="1200" kern="1200" dirty="0"/>
+            <a:rPr lang="en-GB" sz="1200" b="1" kern="1200" dirty="0"/>
             <a:t>		&lt;/li&gt;</a:t>
           </a:r>
         </a:p>
@@ -3404,7 +3454,7 @@
             <a:buNone/>
           </a:pPr>
           <a:r>
-            <a:rPr lang="en-GB" sz="1200" kern="1200" dirty="0"/>
+            <a:rPr lang="en-GB" sz="1200" b="1" kern="1200" dirty="0"/>
             <a:t>	&lt;/ul&gt;</a:t>
           </a:r>
         </a:p>
@@ -3422,7 +3472,7 @@
             <a:buNone/>
           </a:pPr>
           <a:r>
-            <a:rPr lang="en-GB" sz="1200" kern="1200" dirty="0"/>
+            <a:rPr lang="en-GB" sz="1200" b="1" kern="1200" dirty="0"/>
             <a:t>&lt;/nav&gt;</a:t>
           </a:r>
         </a:p>
@@ -3495,8 +3545,16 @@
             <a:buNone/>
           </a:pPr>
           <a:r>
-            <a:rPr lang="en-GB" sz="1200" kern="1200"/>
-            <a:t>&lt;MyInfo /&gt;</a:t>
+            <a:rPr lang="en-GB" sz="1200" b="1" kern="1200" dirty="0"/>
+            <a:t>&lt;</a:t>
+          </a:r>
+          <a:r>
+            <a:rPr lang="en-GB" sz="1200" b="1" kern="1200" dirty="0" err="1"/>
+            <a:t>MyInfo</a:t>
+          </a:r>
+          <a:r>
+            <a:rPr lang="en-GB" sz="1200" b="1" kern="1200" dirty="0"/>
+            <a:t> /&gt;</a:t>
           </a:r>
         </a:p>
       </dsp:txBody>
@@ -3568,7 +3626,7 @@
             <a:buNone/>
           </a:pPr>
           <a:r>
-            <a:rPr lang="en-GB" sz="1200" kern="1200" dirty="0"/>
+            <a:rPr lang="en-GB" sz="1200" b="1" kern="1200" dirty="0"/>
             <a:t>&lt;div&gt;...&lt;/div&gt;</a:t>
           </a:r>
         </a:p>
@@ -3641,8 +3699,16 @@
             <a:buNone/>
           </a:pPr>
           <a:r>
-            <a:rPr lang="en-GB" sz="1200" kern="1200"/>
-            <a:t>&lt;NiceFooter /&gt;</a:t>
+            <a:rPr lang="en-GB" sz="1200" b="1" kern="1200" dirty="0"/>
+            <a:t>&lt;</a:t>
+          </a:r>
+          <a:r>
+            <a:rPr lang="en-GB" sz="1200" b="1" kern="1200" dirty="0" err="1"/>
+            <a:t>NiceFooter</a:t>
+          </a:r>
+          <a:r>
+            <a:rPr lang="en-GB" sz="1200" b="1" kern="1200" dirty="0"/>
+            <a:t> /&gt;</a:t>
           </a:r>
         </a:p>
       </dsp:txBody>
@@ -3714,7 +3780,7 @@
             <a:buNone/>
           </a:pPr>
           <a:r>
-            <a:rPr lang="en-GB" sz="1200" kern="1200"/>
+            <a:rPr lang="en-GB" sz="1200" b="1" kern="1200" dirty="0"/>
             <a:t>&lt;h1&gt;Copyrights...&lt;/h1&gt;</a:t>
           </a:r>
         </a:p>
@@ -6057,7 +6123,7 @@
           <a:p>
             <a:fld id="{21340991-9D71-4E50-AB6B-D7EDC39EF283}" type="datetimeFigureOut">
               <a:rPr lang="en-GB" smtClean="0"/>
-              <a:t>03/01/2019</a:t>
+              <a:t>04/01/2019</a:t>
             </a:fld>
             <a:endParaRPr lang="en-GB"/>
           </a:p>
@@ -6257,7 +6323,7 @@
           <a:p>
             <a:fld id="{21340991-9D71-4E50-AB6B-D7EDC39EF283}" type="datetimeFigureOut">
               <a:rPr lang="en-GB" smtClean="0"/>
-              <a:t>03/01/2019</a:t>
+              <a:t>04/01/2019</a:t>
             </a:fld>
             <a:endParaRPr lang="en-GB"/>
           </a:p>
@@ -6467,7 +6533,7 @@
           <a:p>
             <a:fld id="{21340991-9D71-4E50-AB6B-D7EDC39EF283}" type="datetimeFigureOut">
               <a:rPr lang="en-GB" smtClean="0"/>
-              <a:t>03/01/2019</a:t>
+              <a:t>04/01/2019</a:t>
             </a:fld>
             <a:endParaRPr lang="en-GB"/>
           </a:p>
@@ -6667,7 +6733,7 @@
           <a:p>
             <a:fld id="{21340991-9D71-4E50-AB6B-D7EDC39EF283}" type="datetimeFigureOut">
               <a:rPr lang="en-GB" smtClean="0"/>
-              <a:t>03/01/2019</a:t>
+              <a:t>04/01/2019</a:t>
             </a:fld>
             <a:endParaRPr lang="en-GB"/>
           </a:p>
@@ -6943,7 +7009,7 @@
           <a:p>
             <a:fld id="{21340991-9D71-4E50-AB6B-D7EDC39EF283}" type="datetimeFigureOut">
               <a:rPr lang="en-GB" smtClean="0"/>
-              <a:t>03/01/2019</a:t>
+              <a:t>04/01/2019</a:t>
             </a:fld>
             <a:endParaRPr lang="en-GB"/>
           </a:p>
@@ -7211,7 +7277,7 @@
           <a:p>
             <a:fld id="{21340991-9D71-4E50-AB6B-D7EDC39EF283}" type="datetimeFigureOut">
               <a:rPr lang="en-GB" smtClean="0"/>
-              <a:t>03/01/2019</a:t>
+              <a:t>04/01/2019</a:t>
             </a:fld>
             <a:endParaRPr lang="en-GB"/>
           </a:p>
@@ -7626,7 +7692,7 @@
           <a:p>
             <a:fld id="{21340991-9D71-4E50-AB6B-D7EDC39EF283}" type="datetimeFigureOut">
               <a:rPr lang="en-GB" smtClean="0"/>
-              <a:t>03/01/2019</a:t>
+              <a:t>04/01/2019</a:t>
             </a:fld>
             <a:endParaRPr lang="en-GB"/>
           </a:p>
@@ -7768,7 +7834,7 @@
           <a:p>
             <a:fld id="{21340991-9D71-4E50-AB6B-D7EDC39EF283}" type="datetimeFigureOut">
               <a:rPr lang="en-GB" smtClean="0"/>
-              <a:t>03/01/2019</a:t>
+              <a:t>04/01/2019</a:t>
             </a:fld>
             <a:endParaRPr lang="en-GB"/>
           </a:p>
@@ -7881,7 +7947,7 @@
           <a:p>
             <a:fld id="{21340991-9D71-4E50-AB6B-D7EDC39EF283}" type="datetimeFigureOut">
               <a:rPr lang="en-GB" smtClean="0"/>
-              <a:t>03/01/2019</a:t>
+              <a:t>04/01/2019</a:t>
             </a:fld>
             <a:endParaRPr lang="en-GB"/>
           </a:p>
@@ -8194,7 +8260,7 @@
           <a:p>
             <a:fld id="{21340991-9D71-4E50-AB6B-D7EDC39EF283}" type="datetimeFigureOut">
               <a:rPr lang="en-GB" smtClean="0"/>
-              <a:t>03/01/2019</a:t>
+              <a:t>04/01/2019</a:t>
             </a:fld>
             <a:endParaRPr lang="en-GB"/>
           </a:p>
@@ -8483,7 +8549,7 @@
           <a:p>
             <a:fld id="{21340991-9D71-4E50-AB6B-D7EDC39EF283}" type="datetimeFigureOut">
               <a:rPr lang="en-GB" smtClean="0"/>
-              <a:t>03/01/2019</a:t>
+              <a:t>04/01/2019</a:t>
             </a:fld>
             <a:endParaRPr lang="en-GB"/>
           </a:p>
@@ -8726,7 +8792,7 @@
           <a:p>
             <a:fld id="{21340991-9D71-4E50-AB6B-D7EDC39EF283}" type="datetimeFigureOut">
               <a:rPr lang="en-GB" smtClean="0"/>
-              <a:t>03/01/2019</a:t>
+              <a:t>04/01/2019</a:t>
             </a:fld>
             <a:endParaRPr lang="en-GB"/>
           </a:p>
@@ -9156,7 +9222,7 @@
           <p:nvPr>
             <p:extLst>
               <p:ext uri="{D42A27DB-BD31-4B8C-83A1-F6EECF244321}">
-                <p14:modId xmlns:p14="http://schemas.microsoft.com/office/powerpoint/2010/main" val="996531485"/>
+                <p14:modId xmlns:p14="http://schemas.microsoft.com/office/powerpoint/2010/main" val="1260825592"/>
               </p:ext>
             </p:extLst>
           </p:nvPr>
